--- a/dumbweek4/Dumbweek4.pptx
+++ b/dumbweek4/Dumbweek4.pptx
@@ -5,7 +5,7 @@
     <p:sldMasterId id="2147483683" r:id="rId1"/>
   </p:sldMasterIdLst>
   <p:notesMasterIdLst>
-    <p:notesMasterId r:id="rId59"/>
+    <p:notesMasterId r:id="rId67"/>
   </p:notesMasterIdLst>
   <p:sldIdLst>
     <p:sldId id="256" r:id="rId2"/>
@@ -64,24 +64,32 @@
     <p:sldId id="355" r:id="rId55"/>
     <p:sldId id="356" r:id="rId56"/>
     <p:sldId id="316" r:id="rId57"/>
-    <p:sldId id="277" r:id="rId58"/>
+    <p:sldId id="357" r:id="rId58"/>
+    <p:sldId id="363" r:id="rId59"/>
+    <p:sldId id="364" r:id="rId60"/>
+    <p:sldId id="358" r:id="rId61"/>
+    <p:sldId id="359" r:id="rId62"/>
+    <p:sldId id="360" r:id="rId63"/>
+    <p:sldId id="361" r:id="rId64"/>
+    <p:sldId id="362" r:id="rId65"/>
+    <p:sldId id="277" r:id="rId66"/>
   </p:sldIdLst>
   <p:sldSz cx="9144000" cy="5143500" type="screen16x9"/>
   <p:notesSz cx="6858000" cy="9144000"/>
   <p:embeddedFontLst>
     <p:embeddedFont>
       <p:font typeface="Work Sans" panose="020B0604020202020204" charset="0"/>
-      <p:regular r:id="rId60"/>
-      <p:bold r:id="rId61"/>
-      <p:italic r:id="rId62"/>
-      <p:boldItalic r:id="rId63"/>
+      <p:regular r:id="rId68"/>
+      <p:bold r:id="rId69"/>
+      <p:italic r:id="rId70"/>
+      <p:boldItalic r:id="rId71"/>
     </p:embeddedFont>
     <p:embeddedFont>
       <p:font typeface="Work Sans Regular" panose="020B0604020202020204" charset="0"/>
-      <p:regular r:id="rId64"/>
-      <p:bold r:id="rId65"/>
-      <p:italic r:id="rId66"/>
-      <p:boldItalic r:id="rId67"/>
+      <p:regular r:id="rId72"/>
+      <p:bold r:id="rId73"/>
+      <p:italic r:id="rId74"/>
+      <p:boldItalic r:id="rId75"/>
     </p:embeddedFont>
   </p:embeddedFontLst>
   <p:defaultTextStyle>
@@ -5108,6 +5116,97 @@
 </file>
 
 <file path=ppt/notesSlides/notesSlide46.xml><?xml version="1.0" encoding="utf-8"?>
+<p:notes xmlns:a="http://schemas.openxmlformats.org/drawingml/2006/main" xmlns:r="http://schemas.openxmlformats.org/officeDocument/2006/relationships" xmlns:p="http://schemas.openxmlformats.org/presentationml/2006/main">
+  <p:cSld>
+    <p:spTree>
+      <p:nvGrpSpPr>
+        <p:cNvPr id="1" name=""/>
+        <p:cNvGrpSpPr/>
+        <p:nvPr/>
+      </p:nvGrpSpPr>
+      <p:grpSpPr>
+        <a:xfrm>
+          <a:off x="0" y="0"/>
+          <a:ext cx="0" cy="0"/>
+          <a:chOff x="0" y="0"/>
+          <a:chExt cx="0" cy="0"/>
+        </a:xfrm>
+      </p:grpSpPr>
+      <p:sp>
+        <p:nvSpPr>
+          <p:cNvPr id="2" name="Slide Image Placeholder 1"/>
+          <p:cNvSpPr>
+            <a:spLocks noGrp="1" noRot="1" noChangeAspect="1"/>
+          </p:cNvSpPr>
+          <p:nvPr>
+            <p:ph type="sldImg"/>
+          </p:nvPr>
+        </p:nvSpPr>
+        <p:spPr>
+          <a:xfrm>
+            <a:off x="381000" y="685800"/>
+            <a:ext cx="6096000" cy="3429000"/>
+          </a:xfrm>
+        </p:spPr>
+      </p:sp>
+      <p:sp>
+        <p:nvSpPr>
+          <p:cNvPr id="3" name="Notes Placeholder 2"/>
+          <p:cNvSpPr>
+            <a:spLocks noGrp="1"/>
+          </p:cNvSpPr>
+          <p:nvPr>
+            <p:ph type="body" idx="1"/>
+          </p:nvPr>
+        </p:nvSpPr>
+        <p:spPr/>
+        <p:txBody>
+          <a:bodyPr/>
+          <a:lstStyle/>
+          <a:p>
+            <a:pPr marL="457200" marR="0" lvl="0" indent="-298450" algn="l" defTabSz="914400" rtl="0" eaLnBrk="1" fontAlgn="auto" latinLnBrk="0" hangingPunct="1">
+              <a:lnSpc>
+                <a:spcPct val="100000"/>
+              </a:lnSpc>
+              <a:spcBef>
+                <a:spcPts val="0"/>
+              </a:spcBef>
+              <a:spcAft>
+                <a:spcPts val="0"/>
+              </a:spcAft>
+              <a:buClr>
+                <a:srgbClr val="000000"/>
+              </a:buClr>
+              <a:buSzPts val="1100"/>
+              <a:buFont typeface="Arial"/>
+              <a:buChar char="●"/>
+              <a:tabLst/>
+              <a:defRPr/>
+            </a:pPr>
+            <a:r>
+              <a:rPr lang="en-ID" dirty="0"/>
+              <a:t>https://medium.com/@tomerf/so-you-want-to-configure-the-perfect-db-cluster-inside-a-kubernetes-cluster-a4d2c26aca7a</a:t>
+            </a:r>
+          </a:p>
+          <a:p>
+            <a:endParaRPr lang="en-ID" dirty="0"/>
+          </a:p>
+        </p:txBody>
+      </p:sp>
+    </p:spTree>
+    <p:extLst>
+      <p:ext uri="{BB962C8B-B14F-4D97-AF65-F5344CB8AC3E}">
+        <p14:creationId xmlns:p14="http://schemas.microsoft.com/office/powerpoint/2010/main" val="699834723"/>
+      </p:ext>
+    </p:extLst>
+  </p:cSld>
+  <p:clrMapOvr>
+    <a:masterClrMapping/>
+  </p:clrMapOvr>
+</p:notes>
+</file>
+
+<file path=ppt/notesSlides/notesSlide47.xml><?xml version="1.0" encoding="utf-8"?>
 <p:notes xmlns:a="http://schemas.openxmlformats.org/drawingml/2006/main" xmlns:r="http://schemas.openxmlformats.org/officeDocument/2006/relationships" xmlns:p="http://schemas.openxmlformats.org/presentationml/2006/main" showMasterSp="0" showMasterPhAnim="0">
   <p:cSld>
     <p:spTree>
@@ -52087,17 +52186,9 @@
 <file path=ppt/slides/slide57.xml><?xml version="1.0" encoding="utf-8"?>
 <p:sld xmlns:a="http://schemas.openxmlformats.org/drawingml/2006/main" xmlns:r="http://schemas.openxmlformats.org/officeDocument/2006/relationships" xmlns:p="http://schemas.openxmlformats.org/presentationml/2006/main">
   <p:cSld>
-    <p:bg>
-      <p:bgPr>
-        <a:solidFill>
-          <a:schemeClr val="dk2"/>
-        </a:solidFill>
-        <a:effectLst/>
-      </p:bgPr>
-    </p:bg>
     <p:spTree>
       <p:nvGrpSpPr>
-        <p:cNvPr id="1" name="Shape 1143"/>
+        <p:cNvPr id="1" name=""/>
         <p:cNvGrpSpPr/>
         <p:nvPr/>
       </p:nvGrpSpPr>
@@ -52111,8 +52202,14 @@
       </p:grpSpPr>
       <p:sp>
         <p:nvSpPr>
-          <p:cNvPr id="1144" name="Google Shape;1144;p60"/>
-          <p:cNvSpPr txBox="1">
+          <p:cNvPr id="15" name="Title 14">
+            <a:extLst>
+              <a:ext uri="{FF2B5EF4-FFF2-40B4-BE49-F238E27FC236}">
+                <a16:creationId xmlns:a16="http://schemas.microsoft.com/office/drawing/2014/main" id="{13A3639D-287C-4C6A-918B-CAAF4A8AE89D}"/>
+              </a:ext>
+            </a:extLst>
+          </p:cNvPr>
+          <p:cNvSpPr>
             <a:spLocks noGrp="1"/>
           </p:cNvSpPr>
           <p:nvPr>
@@ -52121,53 +52218,183 @@
         </p:nvSpPr>
         <p:spPr>
           <a:xfrm>
-            <a:off x="911775" y="1572600"/>
-            <a:ext cx="5082300" cy="1971900"/>
+            <a:off x="713100" y="2386350"/>
+            <a:ext cx="7717800" cy="370800"/>
+          </a:xfrm>
+        </p:spPr>
+        <p:txBody>
+          <a:bodyPr/>
+          <a:lstStyle/>
+          <a:p>
+            <a:r>
+              <a:rPr lang="en-US" sz="4800" dirty="0"/>
+              <a:t>EXPLORE KUBERNETES</a:t>
+            </a:r>
+            <a:endParaRPr lang="en-ID" sz="4800" dirty="0"/>
+          </a:p>
+        </p:txBody>
+      </p:sp>
+    </p:spTree>
+    <p:extLst>
+      <p:ext uri="{BB962C8B-B14F-4D97-AF65-F5344CB8AC3E}">
+        <p14:creationId xmlns:p14="http://schemas.microsoft.com/office/powerpoint/2010/main" val="2729973348"/>
+      </p:ext>
+    </p:extLst>
+  </p:cSld>
+  <p:clrMapOvr>
+    <a:masterClrMapping/>
+  </p:clrMapOvr>
+</p:sld>
+</file>
+
+<file path=ppt/slides/slide58.xml><?xml version="1.0" encoding="utf-8"?>
+<p:sld xmlns:a="http://schemas.openxmlformats.org/drawingml/2006/main" xmlns:r="http://schemas.openxmlformats.org/officeDocument/2006/relationships" xmlns:p="http://schemas.openxmlformats.org/presentationml/2006/main">
+  <p:cSld>
+    <p:spTree>
+      <p:nvGrpSpPr>
+        <p:cNvPr id="1" name=""/>
+        <p:cNvGrpSpPr/>
+        <p:nvPr/>
+      </p:nvGrpSpPr>
+      <p:grpSpPr>
+        <a:xfrm>
+          <a:off x="0" y="0"/>
+          <a:ext cx="0" cy="0"/>
+          <a:chOff x="0" y="0"/>
+          <a:chExt cx="0" cy="0"/>
+        </a:xfrm>
+      </p:grpSpPr>
+      <p:pic>
+        <p:nvPicPr>
+          <p:cNvPr id="4" name="Picture 3">
+            <a:extLst>
+              <a:ext uri="{FF2B5EF4-FFF2-40B4-BE49-F238E27FC236}">
+                <a16:creationId xmlns:a16="http://schemas.microsoft.com/office/drawing/2014/main" id="{78A2EFF8-5B78-41F8-85FB-9A8C5922CBE5}"/>
+              </a:ext>
+            </a:extLst>
+          </p:cNvPr>
+          <p:cNvPicPr>
+            <a:picLocks noChangeAspect="1"/>
+          </p:cNvPicPr>
+          <p:nvPr/>
+        </p:nvPicPr>
+        <p:blipFill>
+          <a:blip r:embed="rId2"/>
+          <a:stretch>
+            <a:fillRect/>
+          </a:stretch>
+        </p:blipFill>
+        <p:spPr>
+          <a:xfrm>
+            <a:off x="1086464" y="882061"/>
+            <a:ext cx="6971071" cy="3379377"/>
           </a:xfrm>
           <a:prstGeom prst="rect">
             <a:avLst/>
           </a:prstGeom>
         </p:spPr>
+      </p:pic>
+      <p:sp>
+        <p:nvSpPr>
+          <p:cNvPr id="6" name="TextBox 5">
+            <a:extLst>
+              <a:ext uri="{FF2B5EF4-FFF2-40B4-BE49-F238E27FC236}">
+                <a16:creationId xmlns:a16="http://schemas.microsoft.com/office/drawing/2014/main" id="{B0C94F2C-7176-4DB1-BBDD-4A75DFEB0A95}"/>
+              </a:ext>
+            </a:extLst>
+          </p:cNvPr>
+          <p:cNvSpPr txBox="1"/>
+          <p:nvPr/>
+        </p:nvSpPr>
+        <p:spPr>
+          <a:xfrm>
+            <a:off x="2275839" y="4763552"/>
+            <a:ext cx="4592320" cy="307777"/>
+          </a:xfrm>
+          <a:prstGeom prst="rect">
+            <a:avLst/>
+          </a:prstGeom>
+          <a:noFill/>
+        </p:spPr>
         <p:txBody>
-          <a:bodyPr spcFirstLastPara="1" wrap="square" lIns="91425" tIns="91425" rIns="91425" bIns="91425" anchor="ctr" anchorCtr="0">
-            <a:noAutofit/>
+          <a:bodyPr wrap="square">
+            <a:spAutoFit/>
           </a:bodyPr>
           <a:lstStyle/>
           <a:p>
-            <a:pPr marL="0" lvl="0" indent="0" algn="l" rtl="0">
-              <a:spcBef>
-                <a:spcPts val="0"/>
-              </a:spcBef>
-              <a:spcAft>
-                <a:spcPts val="0"/>
-              </a:spcAft>
-              <a:buNone/>
-            </a:pPr>
             <a:r>
               <a:rPr lang="en-ID" dirty="0"/>
-              <a:t>THANK</a:t>
+              <a:t>https://www.youtube.com/c/ProgrammerZamanNow</a:t>
             </a:r>
-            <a:endParaRPr dirty="0"/>
-          </a:p>
-          <a:p>
-            <a:pPr marL="0" lvl="0" indent="0" algn="l" rtl="0">
-              <a:spcBef>
-                <a:spcPts val="0"/>
-              </a:spcBef>
-              <a:spcAft>
-                <a:spcPts val="0"/>
-              </a:spcAft>
-              <a:buNone/>
-            </a:pPr>
-            <a:r>
-              <a:rPr lang="en" dirty="0"/>
-              <a:t>YOU</a:t>
-            </a:r>
-            <a:endParaRPr dirty="0"/>
           </a:p>
         </p:txBody>
       </p:sp>
     </p:spTree>
+    <p:extLst>
+      <p:ext uri="{BB962C8B-B14F-4D97-AF65-F5344CB8AC3E}">
+        <p14:creationId xmlns:p14="http://schemas.microsoft.com/office/powerpoint/2010/main" val="3327539564"/>
+      </p:ext>
+    </p:extLst>
+  </p:cSld>
+  <p:clrMapOvr>
+    <a:masterClrMapping/>
+  </p:clrMapOvr>
+</p:sld>
+</file>
+
+<file path=ppt/slides/slide59.xml><?xml version="1.0" encoding="utf-8"?>
+<p:sld xmlns:a="http://schemas.openxmlformats.org/drawingml/2006/main" xmlns:r="http://schemas.openxmlformats.org/officeDocument/2006/relationships" xmlns:p="http://schemas.openxmlformats.org/presentationml/2006/main">
+  <p:cSld>
+    <p:spTree>
+      <p:nvGrpSpPr>
+        <p:cNvPr id="1" name=""/>
+        <p:cNvGrpSpPr/>
+        <p:nvPr/>
+      </p:nvGrpSpPr>
+      <p:grpSpPr>
+        <a:xfrm>
+          <a:off x="0" y="0"/>
+          <a:ext cx="0" cy="0"/>
+          <a:chOff x="0" y="0"/>
+          <a:chExt cx="0" cy="0"/>
+        </a:xfrm>
+      </p:grpSpPr>
+      <p:pic>
+        <p:nvPicPr>
+          <p:cNvPr id="3" name="Picture 2">
+            <a:extLst>
+              <a:ext uri="{FF2B5EF4-FFF2-40B4-BE49-F238E27FC236}">
+                <a16:creationId xmlns:a16="http://schemas.microsoft.com/office/drawing/2014/main" id="{10CFC0D3-95E1-4911-9C80-65A200269850}"/>
+              </a:ext>
+            </a:extLst>
+          </p:cNvPr>
+          <p:cNvPicPr>
+            <a:picLocks noChangeAspect="1"/>
+          </p:cNvPicPr>
+          <p:nvPr/>
+        </p:nvPicPr>
+        <p:blipFill>
+          <a:blip r:embed="rId3"/>
+          <a:stretch>
+            <a:fillRect/>
+          </a:stretch>
+        </p:blipFill>
+        <p:spPr>
+          <a:xfrm>
+            <a:off x="1238250" y="774598"/>
+            <a:ext cx="6667500" cy="3790950"/>
+          </a:xfrm>
+          <a:prstGeom prst="rect">
+            <a:avLst/>
+          </a:prstGeom>
+        </p:spPr>
+      </p:pic>
+    </p:spTree>
+    <p:extLst>
+      <p:ext uri="{BB962C8B-B14F-4D97-AF65-F5344CB8AC3E}">
+        <p14:creationId xmlns:p14="http://schemas.microsoft.com/office/powerpoint/2010/main" val="66258081"/>
+      </p:ext>
+    </p:extLst>
   </p:cSld>
   <p:clrMapOvr>
     <a:masterClrMapping/>
@@ -52262,6 +52489,397 @@
         <p14:creationId xmlns:p14="http://schemas.microsoft.com/office/powerpoint/2010/main" val="2387373294"/>
       </p:ext>
     </p:extLst>
+  </p:cSld>
+  <p:clrMapOvr>
+    <a:masterClrMapping/>
+  </p:clrMapOvr>
+</p:sld>
+</file>
+
+<file path=ppt/slides/slide60.xml><?xml version="1.0" encoding="utf-8"?>
+<p:sld xmlns:a="http://schemas.openxmlformats.org/drawingml/2006/main" xmlns:r="http://schemas.openxmlformats.org/officeDocument/2006/relationships" xmlns:p="http://schemas.openxmlformats.org/presentationml/2006/main">
+  <p:cSld>
+    <p:spTree>
+      <p:nvGrpSpPr>
+        <p:cNvPr id="1" name=""/>
+        <p:cNvGrpSpPr/>
+        <p:nvPr/>
+      </p:nvGrpSpPr>
+      <p:grpSpPr>
+        <a:xfrm>
+          <a:off x="0" y="0"/>
+          <a:ext cx="0" cy="0"/>
+          <a:chOff x="0" y="0"/>
+          <a:chExt cx="0" cy="0"/>
+        </a:xfrm>
+      </p:grpSpPr>
+      <p:pic>
+        <p:nvPicPr>
+          <p:cNvPr id="3" name="Picture 2">
+            <a:extLst>
+              <a:ext uri="{FF2B5EF4-FFF2-40B4-BE49-F238E27FC236}">
+                <a16:creationId xmlns:a16="http://schemas.microsoft.com/office/drawing/2014/main" id="{F6705FE9-9EFF-4BE3-B536-D52D4ED46F25}"/>
+              </a:ext>
+            </a:extLst>
+          </p:cNvPr>
+          <p:cNvPicPr>
+            <a:picLocks noChangeAspect="1"/>
+          </p:cNvPicPr>
+          <p:nvPr/>
+        </p:nvPicPr>
+        <p:blipFill>
+          <a:blip r:embed="rId2"/>
+          <a:stretch>
+            <a:fillRect/>
+          </a:stretch>
+        </p:blipFill>
+        <p:spPr>
+          <a:xfrm>
+            <a:off x="2495260" y="1766775"/>
+            <a:ext cx="4153480" cy="1609950"/>
+          </a:xfrm>
+          <a:prstGeom prst="rect">
+            <a:avLst/>
+          </a:prstGeom>
+        </p:spPr>
+      </p:pic>
+    </p:spTree>
+    <p:extLst>
+      <p:ext uri="{BB962C8B-B14F-4D97-AF65-F5344CB8AC3E}">
+        <p14:creationId xmlns:p14="http://schemas.microsoft.com/office/powerpoint/2010/main" val="2577898028"/>
+      </p:ext>
+    </p:extLst>
+  </p:cSld>
+  <p:clrMapOvr>
+    <a:masterClrMapping/>
+  </p:clrMapOvr>
+</p:sld>
+</file>
+
+<file path=ppt/slides/slide61.xml><?xml version="1.0" encoding="utf-8"?>
+<p:sld xmlns:a="http://schemas.openxmlformats.org/drawingml/2006/main" xmlns:r="http://schemas.openxmlformats.org/officeDocument/2006/relationships" xmlns:p="http://schemas.openxmlformats.org/presentationml/2006/main">
+  <p:cSld>
+    <p:spTree>
+      <p:nvGrpSpPr>
+        <p:cNvPr id="1" name=""/>
+        <p:cNvGrpSpPr/>
+        <p:nvPr/>
+      </p:nvGrpSpPr>
+      <p:grpSpPr>
+        <a:xfrm>
+          <a:off x="0" y="0"/>
+          <a:ext cx="0" cy="0"/>
+          <a:chOff x="0" y="0"/>
+          <a:chExt cx="0" cy="0"/>
+        </a:xfrm>
+      </p:grpSpPr>
+      <p:pic>
+        <p:nvPicPr>
+          <p:cNvPr id="4" name="Picture 3">
+            <a:extLst>
+              <a:ext uri="{FF2B5EF4-FFF2-40B4-BE49-F238E27FC236}">
+                <a16:creationId xmlns:a16="http://schemas.microsoft.com/office/drawing/2014/main" id="{8070E4D9-C93D-43C7-B2F9-83C90FC7EBA5}"/>
+              </a:ext>
+            </a:extLst>
+          </p:cNvPr>
+          <p:cNvPicPr>
+            <a:picLocks noChangeAspect="1"/>
+          </p:cNvPicPr>
+          <p:nvPr/>
+        </p:nvPicPr>
+        <p:blipFill>
+          <a:blip r:embed="rId2"/>
+          <a:stretch>
+            <a:fillRect/>
+          </a:stretch>
+        </p:blipFill>
+        <p:spPr>
+          <a:xfrm>
+            <a:off x="1957022" y="780800"/>
+            <a:ext cx="5229955" cy="3581900"/>
+          </a:xfrm>
+          <a:prstGeom prst="rect">
+            <a:avLst/>
+          </a:prstGeom>
+        </p:spPr>
+      </p:pic>
+    </p:spTree>
+    <p:extLst>
+      <p:ext uri="{BB962C8B-B14F-4D97-AF65-F5344CB8AC3E}">
+        <p14:creationId xmlns:p14="http://schemas.microsoft.com/office/powerpoint/2010/main" val="2003979519"/>
+      </p:ext>
+    </p:extLst>
+  </p:cSld>
+  <p:clrMapOvr>
+    <a:masterClrMapping/>
+  </p:clrMapOvr>
+</p:sld>
+</file>
+
+<file path=ppt/slides/slide62.xml><?xml version="1.0" encoding="utf-8"?>
+<p:sld xmlns:a="http://schemas.openxmlformats.org/drawingml/2006/main" xmlns:r="http://schemas.openxmlformats.org/officeDocument/2006/relationships" xmlns:p="http://schemas.openxmlformats.org/presentationml/2006/main">
+  <p:cSld>
+    <p:spTree>
+      <p:nvGrpSpPr>
+        <p:cNvPr id="1" name=""/>
+        <p:cNvGrpSpPr/>
+        <p:nvPr/>
+      </p:nvGrpSpPr>
+      <p:grpSpPr>
+        <a:xfrm>
+          <a:off x="0" y="0"/>
+          <a:ext cx="0" cy="0"/>
+          <a:chOff x="0" y="0"/>
+          <a:chExt cx="0" cy="0"/>
+        </a:xfrm>
+      </p:grpSpPr>
+      <p:pic>
+        <p:nvPicPr>
+          <p:cNvPr id="3" name="Picture 2">
+            <a:extLst>
+              <a:ext uri="{FF2B5EF4-FFF2-40B4-BE49-F238E27FC236}">
+                <a16:creationId xmlns:a16="http://schemas.microsoft.com/office/drawing/2014/main" id="{A4EAF655-9C29-493D-9BE5-47401C4966EE}"/>
+              </a:ext>
+            </a:extLst>
+          </p:cNvPr>
+          <p:cNvPicPr>
+            <a:picLocks noChangeAspect="1"/>
+          </p:cNvPicPr>
+          <p:nvPr/>
+        </p:nvPicPr>
+        <p:blipFill>
+          <a:blip r:embed="rId2"/>
+          <a:stretch>
+            <a:fillRect/>
+          </a:stretch>
+        </p:blipFill>
+        <p:spPr>
+          <a:xfrm>
+            <a:off x="1866522" y="1047537"/>
+            <a:ext cx="5410955" cy="3048425"/>
+          </a:xfrm>
+          <a:prstGeom prst="rect">
+            <a:avLst/>
+          </a:prstGeom>
+        </p:spPr>
+      </p:pic>
+    </p:spTree>
+    <p:extLst>
+      <p:ext uri="{BB962C8B-B14F-4D97-AF65-F5344CB8AC3E}">
+        <p14:creationId xmlns:p14="http://schemas.microsoft.com/office/powerpoint/2010/main" val="3970892338"/>
+      </p:ext>
+    </p:extLst>
+  </p:cSld>
+  <p:clrMapOvr>
+    <a:masterClrMapping/>
+  </p:clrMapOvr>
+</p:sld>
+</file>
+
+<file path=ppt/slides/slide63.xml><?xml version="1.0" encoding="utf-8"?>
+<p:sld xmlns:a="http://schemas.openxmlformats.org/drawingml/2006/main" xmlns:r="http://schemas.openxmlformats.org/officeDocument/2006/relationships" xmlns:p="http://schemas.openxmlformats.org/presentationml/2006/main">
+  <p:cSld>
+    <p:spTree>
+      <p:nvGrpSpPr>
+        <p:cNvPr id="1" name=""/>
+        <p:cNvGrpSpPr/>
+        <p:nvPr/>
+      </p:nvGrpSpPr>
+      <p:grpSpPr>
+        <a:xfrm>
+          <a:off x="0" y="0"/>
+          <a:ext cx="0" cy="0"/>
+          <a:chOff x="0" y="0"/>
+          <a:chExt cx="0" cy="0"/>
+        </a:xfrm>
+      </p:grpSpPr>
+      <p:pic>
+        <p:nvPicPr>
+          <p:cNvPr id="4" name="Picture 3">
+            <a:extLst>
+              <a:ext uri="{FF2B5EF4-FFF2-40B4-BE49-F238E27FC236}">
+                <a16:creationId xmlns:a16="http://schemas.microsoft.com/office/drawing/2014/main" id="{2AEB16E3-6E31-4DAA-967B-0AFA555667D8}"/>
+              </a:ext>
+            </a:extLst>
+          </p:cNvPr>
+          <p:cNvPicPr>
+            <a:picLocks noChangeAspect="1"/>
+          </p:cNvPicPr>
+          <p:nvPr/>
+        </p:nvPicPr>
+        <p:blipFill>
+          <a:blip r:embed="rId2"/>
+          <a:stretch>
+            <a:fillRect/>
+          </a:stretch>
+        </p:blipFill>
+        <p:spPr>
+          <a:xfrm>
+            <a:off x="580103" y="1372728"/>
+            <a:ext cx="8563897" cy="2087139"/>
+          </a:xfrm>
+          <a:prstGeom prst="rect">
+            <a:avLst/>
+          </a:prstGeom>
+        </p:spPr>
+      </p:pic>
+    </p:spTree>
+    <p:extLst>
+      <p:ext uri="{BB962C8B-B14F-4D97-AF65-F5344CB8AC3E}">
+        <p14:creationId xmlns:p14="http://schemas.microsoft.com/office/powerpoint/2010/main" val="2085850148"/>
+      </p:ext>
+    </p:extLst>
+  </p:cSld>
+  <p:clrMapOvr>
+    <a:masterClrMapping/>
+  </p:clrMapOvr>
+</p:sld>
+</file>
+
+<file path=ppt/slides/slide64.xml><?xml version="1.0" encoding="utf-8"?>
+<p:sld xmlns:a="http://schemas.openxmlformats.org/drawingml/2006/main" xmlns:r="http://schemas.openxmlformats.org/officeDocument/2006/relationships" xmlns:p="http://schemas.openxmlformats.org/presentationml/2006/main">
+  <p:cSld>
+    <p:spTree>
+      <p:nvGrpSpPr>
+        <p:cNvPr id="1" name=""/>
+        <p:cNvGrpSpPr/>
+        <p:nvPr/>
+      </p:nvGrpSpPr>
+      <p:grpSpPr>
+        <a:xfrm>
+          <a:off x="0" y="0"/>
+          <a:ext cx="0" cy="0"/>
+          <a:chOff x="0" y="0"/>
+          <a:chExt cx="0" cy="0"/>
+        </a:xfrm>
+      </p:grpSpPr>
+      <p:pic>
+        <p:nvPicPr>
+          <p:cNvPr id="3" name="Picture 2">
+            <a:extLst>
+              <a:ext uri="{FF2B5EF4-FFF2-40B4-BE49-F238E27FC236}">
+                <a16:creationId xmlns:a16="http://schemas.microsoft.com/office/drawing/2014/main" id="{F64081F8-3C02-416E-A25D-F88477D1589F}"/>
+              </a:ext>
+            </a:extLst>
+          </p:cNvPr>
+          <p:cNvPicPr>
+            <a:picLocks noChangeAspect="1"/>
+          </p:cNvPicPr>
+          <p:nvPr/>
+        </p:nvPicPr>
+        <p:blipFill>
+          <a:blip r:embed="rId2"/>
+          <a:stretch>
+            <a:fillRect/>
+          </a:stretch>
+        </p:blipFill>
+        <p:spPr>
+          <a:xfrm>
+            <a:off x="1150682" y="239161"/>
+            <a:ext cx="6842635" cy="4904339"/>
+          </a:xfrm>
+          <a:prstGeom prst="rect">
+            <a:avLst/>
+          </a:prstGeom>
+        </p:spPr>
+      </p:pic>
+    </p:spTree>
+    <p:extLst>
+      <p:ext uri="{BB962C8B-B14F-4D97-AF65-F5344CB8AC3E}">
+        <p14:creationId xmlns:p14="http://schemas.microsoft.com/office/powerpoint/2010/main" val="1506405233"/>
+      </p:ext>
+    </p:extLst>
+  </p:cSld>
+  <p:clrMapOvr>
+    <a:masterClrMapping/>
+  </p:clrMapOvr>
+</p:sld>
+</file>
+
+<file path=ppt/slides/slide65.xml><?xml version="1.0" encoding="utf-8"?>
+<p:sld xmlns:a="http://schemas.openxmlformats.org/drawingml/2006/main" xmlns:r="http://schemas.openxmlformats.org/officeDocument/2006/relationships" xmlns:p="http://schemas.openxmlformats.org/presentationml/2006/main">
+  <p:cSld>
+    <p:bg>
+      <p:bgPr>
+        <a:solidFill>
+          <a:schemeClr val="dk2"/>
+        </a:solidFill>
+        <a:effectLst/>
+      </p:bgPr>
+    </p:bg>
+    <p:spTree>
+      <p:nvGrpSpPr>
+        <p:cNvPr id="1" name="Shape 1143"/>
+        <p:cNvGrpSpPr/>
+        <p:nvPr/>
+      </p:nvGrpSpPr>
+      <p:grpSpPr>
+        <a:xfrm>
+          <a:off x="0" y="0"/>
+          <a:ext cx="0" cy="0"/>
+          <a:chOff x="0" y="0"/>
+          <a:chExt cx="0" cy="0"/>
+        </a:xfrm>
+      </p:grpSpPr>
+      <p:sp>
+        <p:nvSpPr>
+          <p:cNvPr id="1144" name="Google Shape;1144;p60"/>
+          <p:cNvSpPr txBox="1">
+            <a:spLocks noGrp="1"/>
+          </p:cNvSpPr>
+          <p:nvPr>
+            <p:ph type="title"/>
+          </p:nvPr>
+        </p:nvSpPr>
+        <p:spPr>
+          <a:xfrm>
+            <a:off x="911775" y="1572600"/>
+            <a:ext cx="5082300" cy="1971900"/>
+          </a:xfrm>
+          <a:prstGeom prst="rect">
+            <a:avLst/>
+          </a:prstGeom>
+        </p:spPr>
+        <p:txBody>
+          <a:bodyPr spcFirstLastPara="1" wrap="square" lIns="91425" tIns="91425" rIns="91425" bIns="91425" anchor="ctr" anchorCtr="0">
+            <a:noAutofit/>
+          </a:bodyPr>
+          <a:lstStyle/>
+          <a:p>
+            <a:pPr marL="0" lvl="0" indent="0" algn="l" rtl="0">
+              <a:spcBef>
+                <a:spcPts val="0"/>
+              </a:spcBef>
+              <a:spcAft>
+                <a:spcPts val="0"/>
+              </a:spcAft>
+              <a:buNone/>
+            </a:pPr>
+            <a:r>
+              <a:rPr lang="en-ID" dirty="0"/>
+              <a:t>THANK</a:t>
+            </a:r>
+            <a:endParaRPr dirty="0"/>
+          </a:p>
+          <a:p>
+            <a:pPr marL="0" lvl="0" indent="0" algn="l" rtl="0">
+              <a:spcBef>
+                <a:spcPts val="0"/>
+              </a:spcBef>
+              <a:spcAft>
+                <a:spcPts val="0"/>
+              </a:spcAft>
+              <a:buNone/>
+            </a:pPr>
+            <a:r>
+              <a:rPr lang="en" dirty="0"/>
+              <a:t>YOU</a:t>
+            </a:r>
+            <a:endParaRPr dirty="0"/>
+          </a:p>
+        </p:txBody>
+      </p:sp>
+    </p:spTree>
   </p:cSld>
   <p:clrMapOvr>
     <a:masterClrMapping/>
